--- a/lectures/j2ee. Lecture 7.pptx
+++ b/lectures/j2ee. Lecture 7.pptx
@@ -20,6 +20,7 @@
     <p:sldId id="343" r:id="rId14"/>
     <p:sldId id="344" r:id="rId15"/>
     <p:sldId id="289" r:id="rId16"/>
+    <p:sldId id="345" r:id="rId17"/>
   </p:sldIdLst>
   <p:sldSz cx="9144000" cy="6858000" type="screen4x3"/>
   <p:notesSz cx="6858000" cy="9144000"/>
@@ -118,6 +119,22 @@
       </a:defRPr>
     </a:lvl9pPr>
   </p:defaultTextStyle>
+  <p:extLst>
+    <p:ext uri="{EFAFB233-063F-42B5-8137-9DF3F51BA10A}">
+      <p15:sldGuideLst xmlns:p15="http://schemas.microsoft.com/office/powerpoint/2012/main">
+        <p15:guide id="1" orient="horz" pos="2160">
+          <p15:clr>
+            <a:srgbClr val="A4A3A4"/>
+          </p15:clr>
+        </p15:guide>
+        <p15:guide id="2" pos="2880">
+          <p15:clr>
+            <a:srgbClr val="A4A3A4"/>
+          </p15:clr>
+        </p15:guide>
+      </p15:sldGuideLst>
+    </p:ext>
+  </p:extLst>
 </p:presentation>
 </file>
 
@@ -303,7 +320,7 @@
             <a:fld id="{04794622-6F41-4D08-898D-573420FBC607}" type="datetimeFigureOut">
               <a:rPr lang="ru-RU" smtClean="0"/>
               <a:pPr/>
-              <a:t>19.11.2013</a:t>
+              <a:t>вс 06.12.15</a:t>
             </a:fld>
             <a:endParaRPr lang="ru-RU"/>
           </a:p>
@@ -470,7 +487,7 @@
             <a:fld id="{04794622-6F41-4D08-898D-573420FBC607}" type="datetimeFigureOut">
               <a:rPr lang="ru-RU" smtClean="0"/>
               <a:pPr/>
-              <a:t>19.11.2013</a:t>
+              <a:t>вс 06.12.15</a:t>
             </a:fld>
             <a:endParaRPr lang="ru-RU"/>
           </a:p>
@@ -647,7 +664,7 @@
             <a:fld id="{04794622-6F41-4D08-898D-573420FBC607}" type="datetimeFigureOut">
               <a:rPr lang="ru-RU" smtClean="0"/>
               <a:pPr/>
-              <a:t>19.11.2013</a:t>
+              <a:t>вс 06.12.15</a:t>
             </a:fld>
             <a:endParaRPr lang="ru-RU"/>
           </a:p>
@@ -814,7 +831,7 @@
             <a:fld id="{04794622-6F41-4D08-898D-573420FBC607}" type="datetimeFigureOut">
               <a:rPr lang="ru-RU" smtClean="0"/>
               <a:pPr/>
-              <a:t>19.11.2013</a:t>
+              <a:t>вс 06.12.15</a:t>
             </a:fld>
             <a:endParaRPr lang="ru-RU"/>
           </a:p>
@@ -1057,7 +1074,7 @@
             <a:fld id="{04794622-6F41-4D08-898D-573420FBC607}" type="datetimeFigureOut">
               <a:rPr lang="ru-RU" smtClean="0"/>
               <a:pPr/>
-              <a:t>19.11.2013</a:t>
+              <a:t>вс 06.12.15</a:t>
             </a:fld>
             <a:endParaRPr lang="ru-RU"/>
           </a:p>
@@ -1342,7 +1359,7 @@
             <a:fld id="{04794622-6F41-4D08-898D-573420FBC607}" type="datetimeFigureOut">
               <a:rPr lang="ru-RU" smtClean="0"/>
               <a:pPr/>
-              <a:t>19.11.2013</a:t>
+              <a:t>вс 06.12.15</a:t>
             </a:fld>
             <a:endParaRPr lang="ru-RU"/>
           </a:p>
@@ -1761,7 +1778,7 @@
             <a:fld id="{04794622-6F41-4D08-898D-573420FBC607}" type="datetimeFigureOut">
               <a:rPr lang="ru-RU" smtClean="0"/>
               <a:pPr/>
-              <a:t>19.11.2013</a:t>
+              <a:t>вс 06.12.15</a:t>
             </a:fld>
             <a:endParaRPr lang="ru-RU"/>
           </a:p>
@@ -1876,7 +1893,7 @@
             <a:fld id="{04794622-6F41-4D08-898D-573420FBC607}" type="datetimeFigureOut">
               <a:rPr lang="ru-RU" smtClean="0"/>
               <a:pPr/>
-              <a:t>19.11.2013</a:t>
+              <a:t>вс 06.12.15</a:t>
             </a:fld>
             <a:endParaRPr lang="ru-RU"/>
           </a:p>
@@ -1968,7 +1985,7 @@
             <a:fld id="{04794622-6F41-4D08-898D-573420FBC607}" type="datetimeFigureOut">
               <a:rPr lang="ru-RU" smtClean="0"/>
               <a:pPr/>
-              <a:t>19.11.2013</a:t>
+              <a:t>вс 06.12.15</a:t>
             </a:fld>
             <a:endParaRPr lang="ru-RU"/>
           </a:p>
@@ -2242,7 +2259,7 @@
             <a:fld id="{04794622-6F41-4D08-898D-573420FBC607}" type="datetimeFigureOut">
               <a:rPr lang="ru-RU" smtClean="0"/>
               <a:pPr/>
-              <a:t>19.11.2013</a:t>
+              <a:t>вс 06.12.15</a:t>
             </a:fld>
             <a:endParaRPr lang="ru-RU"/>
           </a:p>
@@ -2492,7 +2509,7 @@
             <a:fld id="{04794622-6F41-4D08-898D-573420FBC607}" type="datetimeFigureOut">
               <a:rPr lang="ru-RU" smtClean="0"/>
               <a:pPr/>
-              <a:t>19.11.2013</a:t>
+              <a:t>вс 06.12.15</a:t>
             </a:fld>
             <a:endParaRPr lang="ru-RU"/>
           </a:p>
@@ -2702,7 +2719,7 @@
             <a:fld id="{04794622-6F41-4D08-898D-573420FBC607}" type="datetimeFigureOut">
               <a:rPr lang="ru-RU" smtClean="0"/>
               <a:pPr/>
-              <a:t>19.11.2013</a:t>
+              <a:t>вс 06.12.15</a:t>
             </a:fld>
             <a:endParaRPr lang="ru-RU"/>
           </a:p>
@@ -3133,7 +3150,6 @@
               <a:rPr lang="ru-RU" dirty="0" smtClean="0"/>
               <a:t>.</a:t>
             </a:r>
-            <a:endParaRPr lang="ru-RU" dirty="0" smtClean="0"/>
           </a:p>
           <a:p>
             <a:r>
@@ -5565,7 +5581,7 @@
         <p:spPr>
           <a:xfrm>
             <a:off x="428596" y="1000108"/>
-            <a:ext cx="8286808" cy="3785652"/>
+            <a:ext cx="8286808" cy="4062651"/>
           </a:xfrm>
           <a:prstGeom prst="rect">
             <a:avLst/>
@@ -5585,21 +5601,69 @@
               <a:rPr lang="ru-RU" sz="1600" dirty="0" smtClean="0">
                 <a:cs typeface="Courier New" pitchFamily="49" charset="0"/>
               </a:rPr>
-              <a:t>Реализовать получение информации о новых товаров (входная очередь). Формат передачи данных </a:t>
+              <a:t>Запустить </a:t>
+            </a:r>
+            <a:r>
+              <a:rPr lang="en-US" sz="1600" dirty="0" err="1" smtClean="0">
+                <a:cs typeface="Courier New" pitchFamily="49" charset="0"/>
+              </a:rPr>
+              <a:t>ActiveMQ</a:t>
+            </a:r>
+            <a:r>
+              <a:rPr lang="ru-RU" sz="1600" dirty="0" smtClean="0">
+                <a:cs typeface="Courier New" pitchFamily="49" charset="0"/>
+              </a:rPr>
+              <a:t>, собрать приложение </a:t>
+            </a:r>
+            <a:r>
+              <a:rPr lang="en-US" sz="1600" dirty="0" err="1" smtClean="0">
+                <a:cs typeface="Courier New" pitchFamily="49" charset="0"/>
+              </a:rPr>
+              <a:t>SupplyProvider</a:t>
             </a:r>
             <a:r>
               <a:rPr lang="en-US" sz="1600" dirty="0" smtClean="0">
                 <a:cs typeface="Courier New" pitchFamily="49" charset="0"/>
               </a:rPr>
-              <a:t>JSON</a:t>
+              <a:t> </a:t>
             </a:r>
             <a:r>
               <a:rPr lang="ru-RU" sz="1600" dirty="0" smtClean="0">
                 <a:cs typeface="Courier New" pitchFamily="49" charset="0"/>
               </a:rPr>
-              <a:t> согласно схеме базы данных.</a:t>
-            </a:r>
-            <a:endParaRPr lang="ru-RU" sz="1600" dirty="0">
+              <a:t>из </a:t>
+            </a:r>
+            <a:r>
+              <a:rPr lang="en-US" sz="1600" dirty="0" err="1" smtClean="0">
+                <a:cs typeface="Courier New" pitchFamily="49" charset="0"/>
+              </a:rPr>
+              <a:t>code.samples</a:t>
+            </a:r>
+            <a:r>
+              <a:rPr lang="en-US" sz="1600" dirty="0" smtClean="0">
+                <a:cs typeface="Courier New" pitchFamily="49" charset="0"/>
+              </a:rPr>
+              <a:t> </a:t>
+            </a:r>
+            <a:r>
+              <a:rPr lang="ru-RU" sz="1600" dirty="0" smtClean="0">
+                <a:cs typeface="Courier New" pitchFamily="49" charset="0"/>
+              </a:rPr>
+              <a:t>и </a:t>
+            </a:r>
+            <a:r>
+              <a:rPr lang="ru-RU" sz="1600" dirty="0" err="1" smtClean="0">
+                <a:cs typeface="Courier New" pitchFamily="49" charset="0"/>
+              </a:rPr>
+              <a:t>задеплоить</a:t>
+            </a:r>
+            <a:r>
+              <a:rPr lang="ru-RU" sz="1600" dirty="0" smtClean="0">
+                <a:cs typeface="Courier New" pitchFamily="49" charset="0"/>
+              </a:rPr>
+              <a:t> на вашем сервере приложений.</a:t>
+            </a:r>
+            <a:endParaRPr lang="en-US" sz="1600" dirty="0" smtClean="0">
               <a:cs typeface="Courier New" pitchFamily="49" charset="0"/>
             </a:endParaRPr>
           </a:p>
@@ -5611,19 +5675,90 @@
               <a:rPr lang="ru-RU" sz="1600" dirty="0" smtClean="0">
                 <a:cs typeface="Courier New" pitchFamily="49" charset="0"/>
               </a:rPr>
-              <a:t>Реализовать передачу запроса на новые товары (выходная очередь). Формат обмена – </a:t>
+              <a:t>Реализовать механизм запроса новых товаров. Очередь </a:t>
+            </a:r>
+            <a:r>
+              <a:rPr lang="en-US" sz="1600" dirty="0" err="1" smtClean="0">
+                <a:cs typeface="Courier New" pitchFamily="49" charset="0"/>
+              </a:rPr>
+              <a:t>goods.requests</a:t>
+            </a:r>
+            <a:r>
+              <a:rPr lang="ru-RU" sz="1600" dirty="0" smtClean="0">
+                <a:cs typeface="Courier New" pitchFamily="49" charset="0"/>
+              </a:rPr>
+              <a:t>, при запуске приложения посылать туда </a:t>
+            </a:r>
+            <a:r>
+              <a:rPr lang="en-US" sz="1600" dirty="0" err="1" smtClean="0">
+                <a:cs typeface="Courier New" pitchFamily="49" charset="0"/>
+              </a:rPr>
+              <a:t>json</a:t>
             </a:r>
             <a:r>
               <a:rPr lang="en-US" sz="1600" dirty="0" smtClean="0">
                 <a:cs typeface="Courier New" pitchFamily="49" charset="0"/>
               </a:rPr>
-              <a:t>JSON. </a:t>
+              <a:t> </a:t>
             </a:r>
             <a:r>
               <a:rPr lang="ru-RU" sz="1600" dirty="0" smtClean="0">
                 <a:cs typeface="Courier New" pitchFamily="49" charset="0"/>
               </a:rPr>
-              <a:t>Запрос согласно схеме ниже.</a:t>
+              <a:t>сообщения вида ниже. </a:t>
+            </a:r>
+          </a:p>
+          <a:p>
+            <a:pPr marL="342900" indent="-342900">
+              <a:buAutoNum type="arabicPeriod"/>
+            </a:pPr>
+            <a:r>
+              <a:rPr lang="ru-RU" sz="1600" dirty="0" smtClean="0">
+                <a:cs typeface="Courier New" pitchFamily="49" charset="0"/>
+              </a:rPr>
+              <a:t>Реализовать </a:t>
+            </a:r>
+            <a:r>
+              <a:rPr lang="ru-RU" sz="1600" dirty="0" smtClean="0">
+                <a:cs typeface="Courier New" pitchFamily="49" charset="0"/>
+              </a:rPr>
+              <a:t>получение информации о новых </a:t>
+            </a:r>
+            <a:r>
+              <a:rPr lang="ru-RU" sz="1600" dirty="0" smtClean="0">
+                <a:cs typeface="Courier New" pitchFamily="49" charset="0"/>
+              </a:rPr>
+              <a:t>товарах. Очередь </a:t>
+            </a:r>
+            <a:r>
+              <a:rPr lang="en-US" sz="1600" dirty="0" err="1" smtClean="0">
+                <a:cs typeface="Courier New" pitchFamily="49" charset="0"/>
+              </a:rPr>
+              <a:t>goods.responses</a:t>
+            </a:r>
+            <a:r>
+              <a:rPr lang="en-US" sz="1600" dirty="0" smtClean="0">
+                <a:cs typeface="Courier New" pitchFamily="49" charset="0"/>
+              </a:rPr>
+              <a:t>. </a:t>
+            </a:r>
+            <a:r>
+              <a:rPr lang="ru-RU" sz="1600" dirty="0" smtClean="0">
+                <a:cs typeface="Courier New" pitchFamily="49" charset="0"/>
+              </a:rPr>
+              <a:t>Схема обмена – такая же как в </a:t>
+            </a:r>
+            <a:r>
+              <a:rPr lang="en-US" sz="1600" dirty="0" smtClean="0">
+                <a:cs typeface="Courier New" pitchFamily="49" charset="0"/>
+              </a:rPr>
+              <a:t>REST</a:t>
+            </a:r>
+            <a:r>
+              <a:rPr lang="ru-RU" sz="1600" dirty="0" smtClean="0">
+                <a:cs typeface="Courier New" pitchFamily="49" charset="0"/>
+              </a:rPr>
+              <a:t>-сервисе.</a:t>
             </a:r>
           </a:p>
           <a:p>
@@ -5729,22 +5864,70 @@
                 <a:latin typeface="Courier New" pitchFamily="49" charset="0"/>
                 <a:cs typeface="Courier New" pitchFamily="49" charset="0"/>
               </a:rPr>
-              <a:t>       “</a:t>
+              <a:t>       </a:t>
+            </a:r>
+            <a:r>
+              <a:rPr lang="en-US" sz="1400" b="1" dirty="0" smtClean="0">
+                <a:latin typeface="Courier New" pitchFamily="49" charset="0"/>
+                <a:cs typeface="Courier New" pitchFamily="49" charset="0"/>
+              </a:rPr>
+              <a:t>“</a:t>
+            </a:r>
+            <a:r>
+              <a:rPr lang="en-US" sz="1400" b="1" dirty="0" smtClean="0">
+                <a:latin typeface="Courier New" pitchFamily="49" charset="0"/>
+                <a:cs typeface="Courier New" pitchFamily="49" charset="0"/>
+              </a:rPr>
+              <a:t>hostname</a:t>
+            </a:r>
+            <a:r>
+              <a:rPr lang="en-US" sz="1400" b="1" dirty="0" smtClean="0">
+                <a:latin typeface="Courier New" pitchFamily="49" charset="0"/>
+                <a:cs typeface="Courier New" pitchFamily="49" charset="0"/>
+              </a:rPr>
+              <a:t>” </a:t>
+            </a:r>
+            <a:r>
+              <a:rPr lang="en-US" sz="1400" b="1" dirty="0" smtClean="0">
+                <a:latin typeface="Courier New" pitchFamily="49" charset="0"/>
+                <a:cs typeface="Courier New" pitchFamily="49" charset="0"/>
+              </a:rPr>
+              <a:t>: </a:t>
+            </a:r>
+            <a:r>
+              <a:rPr lang="en-US" sz="1400" b="1" dirty="0" smtClean="0">
+                <a:latin typeface="Courier New" pitchFamily="49" charset="0"/>
+                <a:cs typeface="Courier New" pitchFamily="49" charset="0"/>
+              </a:rPr>
+              <a:t>“</a:t>
             </a:r>
             <a:r>
               <a:rPr lang="en-US" sz="1400" b="1" dirty="0" err="1" smtClean="0">
                 <a:latin typeface="Courier New" pitchFamily="49" charset="0"/>
                 <a:cs typeface="Courier New" pitchFamily="49" charset="0"/>
               </a:rPr>
-              <a:t>ip</a:t>
+              <a:t>SuperPuperHost</a:t>
             </a:r>
             <a:r>
               <a:rPr lang="en-US" sz="1400" b="1" dirty="0" smtClean="0">
                 <a:latin typeface="Courier New" pitchFamily="49" charset="0"/>
                 <a:cs typeface="Courier New" pitchFamily="49" charset="0"/>
               </a:rPr>
-              <a:t>” : “192.168.0.1”,</a:t>
-            </a:r>
+              <a:t>”</a:t>
+            </a:r>
+          </a:p>
+          <a:p>
+            <a:r>
+              <a:rPr lang="en-US" sz="1400" b="1" dirty="0" smtClean="0">
+                <a:latin typeface="Courier New" pitchFamily="49" charset="0"/>
+                <a:cs typeface="Courier New" pitchFamily="49" charset="0"/>
+              </a:rPr>
+              <a:t>    },</a:t>
+            </a:r>
+            <a:endParaRPr lang="en-US" sz="1400" b="1" dirty="0" smtClean="0">
+              <a:latin typeface="Courier New" pitchFamily="49" charset="0"/>
+              <a:cs typeface="Courier New" pitchFamily="49" charset="0"/>
+            </a:endParaRPr>
           </a:p>
           <a:p>
             <a:r>
@@ -5759,39 +5942,14 @@
                 <a:latin typeface="Courier New" pitchFamily="49" charset="0"/>
                 <a:cs typeface="Courier New" pitchFamily="49" charset="0"/>
               </a:rPr>
-              <a:t>       “port” : 9000</a:t>
-            </a:r>
-          </a:p>
-          <a:p>
-            <a:r>
-              <a:rPr lang="en-US" sz="1400" b="1" dirty="0">
-                <a:latin typeface="Courier New" pitchFamily="49" charset="0"/>
-                <a:cs typeface="Courier New" pitchFamily="49" charset="0"/>
-              </a:rPr>
-              <a:t> </a:t>
+              <a:t>   </a:t>
             </a:r>
             <a:r>
               <a:rPr lang="en-US" sz="1400" b="1" dirty="0" smtClean="0">
                 <a:latin typeface="Courier New" pitchFamily="49" charset="0"/>
                 <a:cs typeface="Courier New" pitchFamily="49" charset="0"/>
               </a:rPr>
-              <a:t>   },</a:t>
-            </a:r>
-          </a:p>
-          <a:p>
-            <a:r>
-              <a:rPr lang="en-US" sz="1400" b="1" dirty="0">
-                <a:latin typeface="Courier New" pitchFamily="49" charset="0"/>
-                <a:cs typeface="Courier New" pitchFamily="49" charset="0"/>
-              </a:rPr>
-              <a:t> </a:t>
-            </a:r>
-            <a:r>
-              <a:rPr lang="en-US" sz="1400" b="1" dirty="0" smtClean="0">
-                <a:latin typeface="Courier New" pitchFamily="49" charset="0"/>
-                <a:cs typeface="Courier New" pitchFamily="49" charset="0"/>
-              </a:rPr>
-              <a:t>   “limit” : 10</a:t>
+              <a:t>“limit” : 10</a:t>
             </a:r>
           </a:p>
           <a:p>
@@ -5829,7 +5987,7 @@
 </p:sld>
 </file>
 
-<file path=ppt/slides/slide2.xml><?xml version="1.0" encoding="utf-8"?>
+<file path=ppt/slides/slide16.xml><?xml version="1.0" encoding="utf-8"?>
 <p:sld xmlns:a="http://schemas.openxmlformats.org/drawingml/2006/main" xmlns:r="http://schemas.openxmlformats.org/officeDocument/2006/relationships" xmlns:p="http://schemas.openxmlformats.org/presentationml/2006/main">
   <p:cSld>
     <p:spTree>
@@ -5873,8 +6031,8 @@
           <a:p>
             <a:pPr algn="l"/>
             <a:r>
-              <a:rPr lang="en-US" sz="3200" dirty="0" smtClean="0"/>
-              <a:t>MQ</a:t>
+              <a:rPr lang="ru-RU" sz="3200" dirty="0" smtClean="0"/>
+              <a:t>Задача</a:t>
             </a:r>
             <a:endParaRPr lang="ru-RU" sz="3200" dirty="0"/>
           </a:p>
@@ -5924,6 +6082,405 @@
         <p:spPr>
           <a:xfrm>
             <a:off x="428596" y="1000108"/>
+            <a:ext cx="8286808" cy="3170099"/>
+          </a:xfrm>
+          <a:prstGeom prst="rect">
+            <a:avLst/>
+          </a:prstGeom>
+          <a:noFill/>
+        </p:spPr>
+        <p:txBody>
+          <a:bodyPr wrap="square" rtlCol="0">
+            <a:spAutoFit/>
+          </a:bodyPr>
+          <a:lstStyle/>
+          <a:p>
+            <a:r>
+              <a:rPr lang="en-US" sz="1600" dirty="0" smtClean="0">
+                <a:cs typeface="Courier New" pitchFamily="49" charset="0"/>
+              </a:rPr>
+              <a:t>JSON </a:t>
+            </a:r>
+            <a:r>
+              <a:rPr lang="ru-RU" sz="1600" dirty="0" smtClean="0">
+                <a:cs typeface="Courier New" pitchFamily="49" charset="0"/>
+              </a:rPr>
+              <a:t>ответ:</a:t>
+            </a:r>
+            <a:endParaRPr lang="ru-RU" sz="1600" dirty="0" smtClean="0">
+              <a:cs typeface="Courier New" pitchFamily="49" charset="0"/>
+            </a:endParaRPr>
+          </a:p>
+          <a:p>
+            <a:endParaRPr lang="en-US" sz="1600" dirty="0">
+              <a:cs typeface="Courier New" pitchFamily="49" charset="0"/>
+            </a:endParaRPr>
+          </a:p>
+          <a:p>
+            <a:r>
+              <a:rPr lang="en-US" sz="1400" b="1" dirty="0" smtClean="0">
+                <a:latin typeface="Courier New" pitchFamily="49" charset="0"/>
+                <a:cs typeface="Courier New" pitchFamily="49" charset="0"/>
+              </a:rPr>
+              <a:t>{</a:t>
+            </a:r>
+            <a:endParaRPr lang="en-US" sz="1400" b="1" dirty="0">
+              <a:latin typeface="Courier New" pitchFamily="49" charset="0"/>
+              <a:cs typeface="Courier New" pitchFamily="49" charset="0"/>
+            </a:endParaRPr>
+          </a:p>
+          <a:p>
+            <a:r>
+              <a:rPr lang="en-US" sz="1400" b="1" dirty="0">
+                <a:latin typeface="Courier New" pitchFamily="49" charset="0"/>
+                <a:cs typeface="Courier New" pitchFamily="49" charset="0"/>
+              </a:rPr>
+              <a:t>    "products": </a:t>
+            </a:r>
+            <a:r>
+              <a:rPr lang="en-US" sz="1400" b="1" dirty="0" smtClean="0">
+                <a:latin typeface="Courier New" pitchFamily="49" charset="0"/>
+                <a:cs typeface="Courier New" pitchFamily="49" charset="0"/>
+              </a:rPr>
+              <a:t>[</a:t>
+            </a:r>
+            <a:endParaRPr lang="ru-RU" sz="1400" b="1" dirty="0" smtClean="0">
+              <a:latin typeface="Courier New" pitchFamily="49" charset="0"/>
+              <a:cs typeface="Courier New" pitchFamily="49" charset="0"/>
+            </a:endParaRPr>
+          </a:p>
+          <a:p>
+            <a:r>
+              <a:rPr lang="ru-RU" sz="1400" b="1" dirty="0" smtClean="0">
+                <a:latin typeface="Courier New" pitchFamily="49" charset="0"/>
+                <a:cs typeface="Courier New" pitchFamily="49" charset="0"/>
+              </a:rPr>
+              <a:t>      </a:t>
+            </a:r>
+            <a:r>
+              <a:rPr lang="en-US" sz="1400" b="1" dirty="0" smtClean="0">
+                <a:latin typeface="Courier New" pitchFamily="49" charset="0"/>
+                <a:cs typeface="Courier New" pitchFamily="49" charset="0"/>
+              </a:rPr>
+              <a:t>{</a:t>
+            </a:r>
+            <a:endParaRPr lang="en-US" sz="1400" b="1" dirty="0">
+              <a:latin typeface="Courier New" pitchFamily="49" charset="0"/>
+              <a:cs typeface="Courier New" pitchFamily="49" charset="0"/>
+            </a:endParaRPr>
+          </a:p>
+          <a:p>
+            <a:r>
+              <a:rPr lang="en-US" sz="1400" b="1" dirty="0">
+                <a:latin typeface="Courier New" pitchFamily="49" charset="0"/>
+                <a:cs typeface="Courier New" pitchFamily="49" charset="0"/>
+              </a:rPr>
+              <a:t>        "name": "</a:t>
+            </a:r>
+            <a:r>
+              <a:rPr lang="ru-RU" sz="1400" b="1" dirty="0">
+                <a:latin typeface="Courier New" pitchFamily="49" charset="0"/>
+                <a:cs typeface="Courier New" pitchFamily="49" charset="0"/>
+              </a:rPr>
+              <a:t>Тыква",</a:t>
+            </a:r>
+          </a:p>
+          <a:p>
+            <a:r>
+              <a:rPr lang="ru-RU" sz="1400" b="1" dirty="0">
+                <a:latin typeface="Courier New" pitchFamily="49" charset="0"/>
+                <a:cs typeface="Courier New" pitchFamily="49" charset="0"/>
+              </a:rPr>
+              <a:t>        "</a:t>
+            </a:r>
+            <a:r>
+              <a:rPr lang="en-US" sz="1400" b="1" dirty="0">
+                <a:latin typeface="Courier New" pitchFamily="49" charset="0"/>
+                <a:cs typeface="Courier New" pitchFamily="49" charset="0"/>
+              </a:rPr>
+              <a:t>description": "Super-Light-Air </a:t>
+            </a:r>
+            <a:r>
+              <a:rPr lang="ru-RU" sz="1400" b="1" dirty="0">
+                <a:latin typeface="Courier New" pitchFamily="49" charset="0"/>
+                <a:cs typeface="Courier New" pitchFamily="49" charset="0"/>
+              </a:rPr>
+              <a:t>толщиной меньше волоса",</a:t>
+            </a:r>
+          </a:p>
+          <a:p>
+            <a:r>
+              <a:rPr lang="ru-RU" sz="1400" b="1" dirty="0">
+                <a:latin typeface="Courier New" pitchFamily="49" charset="0"/>
+                <a:cs typeface="Courier New" pitchFamily="49" charset="0"/>
+              </a:rPr>
+              <a:t>        "</a:t>
+            </a:r>
+            <a:r>
+              <a:rPr lang="en-US" sz="1400" b="1" dirty="0">
+                <a:latin typeface="Courier New" pitchFamily="49" charset="0"/>
+                <a:cs typeface="Courier New" pitchFamily="49" charset="0"/>
+              </a:rPr>
+              <a:t>categories": </a:t>
+            </a:r>
+            <a:r>
+              <a:rPr lang="en-US" sz="1400" b="1" dirty="0" smtClean="0">
+                <a:latin typeface="Courier New" pitchFamily="49" charset="0"/>
+                <a:cs typeface="Courier New" pitchFamily="49" charset="0"/>
+              </a:rPr>
+              <a:t>[</a:t>
+            </a:r>
+            <a:r>
+              <a:rPr lang="ru-RU" sz="1400" b="1" dirty="0" smtClean="0">
+                <a:latin typeface="Courier New" pitchFamily="49" charset="0"/>
+                <a:cs typeface="Courier New" pitchFamily="49" charset="0"/>
+              </a:rPr>
+              <a:t> </a:t>
+            </a:r>
+            <a:r>
+              <a:rPr lang="en-US" sz="1400" b="1" dirty="0" smtClean="0">
+                <a:latin typeface="Courier New" pitchFamily="49" charset="0"/>
+                <a:cs typeface="Courier New" pitchFamily="49" charset="0"/>
+              </a:rPr>
+              <a:t>"</a:t>
+            </a:r>
+            <a:r>
+              <a:rPr lang="ru-RU" sz="1400" b="1" dirty="0">
+                <a:latin typeface="Courier New" pitchFamily="49" charset="0"/>
+                <a:cs typeface="Courier New" pitchFamily="49" charset="0"/>
+              </a:rPr>
+              <a:t>Фрукты", "</a:t>
+            </a:r>
+            <a:r>
+              <a:rPr lang="ru-RU" sz="1400" b="1" dirty="0" smtClean="0">
+                <a:latin typeface="Courier New" pitchFamily="49" charset="0"/>
+                <a:cs typeface="Courier New" pitchFamily="49" charset="0"/>
+              </a:rPr>
+              <a:t>Бакалея" ],</a:t>
+            </a:r>
+            <a:endParaRPr lang="ru-RU" sz="1400" b="1" dirty="0">
+              <a:latin typeface="Courier New" pitchFamily="49" charset="0"/>
+              <a:cs typeface="Courier New" pitchFamily="49" charset="0"/>
+            </a:endParaRPr>
+          </a:p>
+          <a:p>
+            <a:r>
+              <a:rPr lang="ru-RU" sz="1400" b="1" dirty="0">
+                <a:latin typeface="Courier New" pitchFamily="49" charset="0"/>
+                <a:cs typeface="Courier New" pitchFamily="49" charset="0"/>
+              </a:rPr>
+              <a:t>        "</a:t>
+            </a:r>
+            <a:r>
+              <a:rPr lang="en-US" sz="1400" b="1" dirty="0">
+                <a:latin typeface="Courier New" pitchFamily="49" charset="0"/>
+                <a:cs typeface="Courier New" pitchFamily="49" charset="0"/>
+              </a:rPr>
+              <a:t>price": 0.48746657,</a:t>
+            </a:r>
+          </a:p>
+          <a:p>
+            <a:r>
+              <a:rPr lang="en-US" sz="1400" b="1" dirty="0">
+                <a:latin typeface="Courier New" pitchFamily="49" charset="0"/>
+                <a:cs typeface="Courier New" pitchFamily="49" charset="0"/>
+              </a:rPr>
+              <a:t>        "quantity": 13.989056</a:t>
+            </a:r>
+          </a:p>
+          <a:p>
+            <a:r>
+              <a:rPr lang="en-US" sz="1400" b="1" dirty="0">
+                <a:latin typeface="Courier New" pitchFamily="49" charset="0"/>
+                <a:cs typeface="Courier New" pitchFamily="49" charset="0"/>
+              </a:rPr>
+              <a:t>    </a:t>
+            </a:r>
+            <a:r>
+              <a:rPr lang="ru-RU" sz="1400" b="1" dirty="0" smtClean="0">
+                <a:latin typeface="Courier New" pitchFamily="49" charset="0"/>
+                <a:cs typeface="Courier New" pitchFamily="49" charset="0"/>
+              </a:rPr>
+              <a:t>  </a:t>
+            </a:r>
+            <a:r>
+              <a:rPr lang="en-US" sz="1400" b="1" dirty="0" smtClean="0">
+                <a:latin typeface="Courier New" pitchFamily="49" charset="0"/>
+                <a:cs typeface="Courier New" pitchFamily="49" charset="0"/>
+              </a:rPr>
+              <a:t>}</a:t>
+            </a:r>
+            <a:endParaRPr lang="ru-RU" sz="1400" b="1" dirty="0" smtClean="0">
+              <a:latin typeface="Courier New" pitchFamily="49" charset="0"/>
+              <a:cs typeface="Courier New" pitchFamily="49" charset="0"/>
+            </a:endParaRPr>
+          </a:p>
+          <a:p>
+            <a:r>
+              <a:rPr lang="ru-RU" sz="1400" b="1" dirty="0">
+                <a:latin typeface="Courier New" pitchFamily="49" charset="0"/>
+                <a:cs typeface="Courier New" pitchFamily="49" charset="0"/>
+              </a:rPr>
+              <a:t> </a:t>
+            </a:r>
+            <a:r>
+              <a:rPr lang="ru-RU" sz="1400" b="1" dirty="0" smtClean="0">
+                <a:latin typeface="Courier New" pitchFamily="49" charset="0"/>
+                <a:cs typeface="Courier New" pitchFamily="49" charset="0"/>
+              </a:rPr>
+              <a:t>   </a:t>
+            </a:r>
+            <a:r>
+              <a:rPr lang="en-US" sz="1400" b="1" dirty="0" smtClean="0">
+                <a:latin typeface="Courier New" pitchFamily="49" charset="0"/>
+                <a:cs typeface="Courier New" pitchFamily="49" charset="0"/>
+              </a:rPr>
+              <a:t>],</a:t>
+            </a:r>
+            <a:endParaRPr lang="en-US" sz="1400" b="1" dirty="0">
+              <a:latin typeface="Courier New" pitchFamily="49" charset="0"/>
+              <a:cs typeface="Courier New" pitchFamily="49" charset="0"/>
+            </a:endParaRPr>
+          </a:p>
+          <a:p>
+            <a:r>
+              <a:rPr lang="en-US" sz="1400" b="1" dirty="0">
+                <a:latin typeface="Courier New" pitchFamily="49" charset="0"/>
+                <a:cs typeface="Courier New" pitchFamily="49" charset="0"/>
+              </a:rPr>
+              <a:t>    "status": "ok"</a:t>
+            </a:r>
+          </a:p>
+          <a:p>
+            <a:r>
+              <a:rPr lang="en-US" sz="1400" b="1" dirty="0">
+                <a:latin typeface="Courier New" pitchFamily="49" charset="0"/>
+                <a:cs typeface="Courier New" pitchFamily="49" charset="0"/>
+              </a:rPr>
+              <a:t>}</a:t>
+            </a:r>
+            <a:endParaRPr lang="en-US" sz="1400" b="1" dirty="0" smtClean="0">
+              <a:latin typeface="Courier New" pitchFamily="49" charset="0"/>
+              <a:cs typeface="Courier New" pitchFamily="49" charset="0"/>
+            </a:endParaRPr>
+          </a:p>
+        </p:txBody>
+      </p:sp>
+    </p:spTree>
+    <p:extLst>
+      <p:ext uri="{BB962C8B-B14F-4D97-AF65-F5344CB8AC3E}">
+        <p14:creationId xmlns:p14="http://schemas.microsoft.com/office/powerpoint/2010/main" val="2558844895"/>
+      </p:ext>
+    </p:extLst>
+  </p:cSld>
+  <p:clrMapOvr>
+    <a:masterClrMapping/>
+  </p:clrMapOvr>
+  <p:timing>
+    <p:tnLst>
+      <p:par>
+        <p:cTn id="1" dur="indefinite" restart="never" nodeType="tmRoot"/>
+      </p:par>
+    </p:tnLst>
+  </p:timing>
+</p:sld>
+</file>
+
+<file path=ppt/slides/slide2.xml><?xml version="1.0" encoding="utf-8"?>
+<p:sld xmlns:a="http://schemas.openxmlformats.org/drawingml/2006/main" xmlns:r="http://schemas.openxmlformats.org/officeDocument/2006/relationships" xmlns:p="http://schemas.openxmlformats.org/presentationml/2006/main">
+  <p:cSld>
+    <p:spTree>
+      <p:nvGrpSpPr>
+        <p:cNvPr id="1" name=""/>
+        <p:cNvGrpSpPr/>
+        <p:nvPr/>
+      </p:nvGrpSpPr>
+      <p:grpSpPr>
+        <a:xfrm>
+          <a:off x="0" y="0"/>
+          <a:ext cx="0" cy="0"/>
+          <a:chOff x="0" y="0"/>
+          <a:chExt cx="0" cy="0"/>
+        </a:xfrm>
+      </p:grpSpPr>
+      <p:sp>
+        <p:nvSpPr>
+          <p:cNvPr id="2" name="Title 1"/>
+          <p:cNvSpPr>
+            <a:spLocks noGrp="1"/>
+          </p:cNvSpPr>
+          <p:nvPr>
+            <p:ph type="title"/>
+          </p:nvPr>
+        </p:nvSpPr>
+        <p:spPr>
+          <a:xfrm>
+            <a:off x="457200" y="274638"/>
+            <a:ext cx="8229600" cy="439718"/>
+          </a:xfrm>
+          <a:ln>
+            <a:noFill/>
+          </a:ln>
+        </p:spPr>
+        <p:txBody>
+          <a:bodyPr>
+            <a:normAutofit fontScale="90000"/>
+          </a:bodyPr>
+          <a:lstStyle/>
+          <a:p>
+            <a:pPr algn="l"/>
+            <a:r>
+              <a:rPr lang="en-US" sz="3200" dirty="0" smtClean="0"/>
+              <a:t>MQ</a:t>
+            </a:r>
+            <a:endParaRPr lang="ru-RU" sz="3200" dirty="0"/>
+          </a:p>
+        </p:txBody>
+      </p:sp>
+      <p:cxnSp>
+        <p:nvCxnSpPr>
+          <p:cNvPr id="7" name="Straight Connector 6"/>
+          <p:cNvCxnSpPr/>
+          <p:nvPr/>
+        </p:nvCxnSpPr>
+        <p:spPr>
+          <a:xfrm>
+            <a:off x="428596" y="714356"/>
+            <a:ext cx="8286808" cy="1588"/>
+          </a:xfrm>
+          <a:prstGeom prst="line">
+            <a:avLst/>
+          </a:prstGeom>
+          <a:ln>
+            <a:solidFill>
+              <a:schemeClr val="tx1"/>
+            </a:solidFill>
+          </a:ln>
+        </p:spPr>
+        <p:style>
+          <a:lnRef idx="1">
+            <a:schemeClr val="accent1"/>
+          </a:lnRef>
+          <a:fillRef idx="0">
+            <a:schemeClr val="accent1"/>
+          </a:fillRef>
+          <a:effectRef idx="0">
+            <a:schemeClr val="accent1"/>
+          </a:effectRef>
+          <a:fontRef idx="minor">
+            <a:schemeClr val="tx1"/>
+          </a:fontRef>
+        </p:style>
+      </p:cxnSp>
+      <p:sp>
+        <p:nvSpPr>
+          <p:cNvPr id="10" name="TextBox 9"/>
+          <p:cNvSpPr txBox="1"/>
+          <p:nvPr/>
+        </p:nvSpPr>
+        <p:spPr>
+          <a:xfrm>
+            <a:off x="428596" y="1000108"/>
             <a:ext cx="8286808" cy="1200329"/>
           </a:xfrm>
           <a:prstGeom prst="rect">
@@ -5957,15 +6514,6 @@
               </a:rPr>
               <a:t>HTTP =&gt; Request-Response</a:t>
             </a:r>
-            <a:endParaRPr lang="en-US" dirty="0" smtClean="0">
-              <a:solidFill>
-                <a:schemeClr val="tx1">
-                  <a:lumMod val="85000"/>
-                  <a:lumOff val="15000"/>
-                </a:schemeClr>
-              </a:solidFill>
-              <a:cs typeface="Courier New" pitchFamily="49" charset="0"/>
-            </a:endParaRPr>
           </a:p>
           <a:p>
             <a:pPr>
@@ -6317,15 +6865,6 @@
               </a:rPr>
               <a:t>…</a:t>
             </a:r>
-            <a:endParaRPr lang="en-US" dirty="0" smtClean="0">
-              <a:solidFill>
-                <a:schemeClr val="tx1">
-                  <a:lumMod val="85000"/>
-                  <a:lumOff val="15000"/>
-                </a:schemeClr>
-              </a:solidFill>
-              <a:cs typeface="Courier New" pitchFamily="49" charset="0"/>
-            </a:endParaRPr>
           </a:p>
           <a:p>
             <a:pPr>
@@ -6521,15 +7060,6 @@
               </a:rPr>
               <a:t>Publish-Subscribe</a:t>
             </a:r>
-            <a:endParaRPr lang="en-US" dirty="0" smtClean="0">
-              <a:solidFill>
-                <a:schemeClr val="tx1">
-                  <a:lumMod val="85000"/>
-                  <a:lumOff val="15000"/>
-                </a:schemeClr>
-              </a:solidFill>
-              <a:cs typeface="Courier New" pitchFamily="49" charset="0"/>
-            </a:endParaRPr>
           </a:p>
           <a:p>
             <a:pPr marL="285750" indent="-285750">
@@ -6747,15 +7277,6 @@
               </a:rPr>
               <a:t>Message Queuing</a:t>
             </a:r>
-            <a:endParaRPr lang="en-US" dirty="0" smtClean="0">
-              <a:solidFill>
-                <a:schemeClr val="tx1">
-                  <a:lumMod val="85000"/>
-                  <a:lumOff val="15000"/>
-                </a:schemeClr>
-              </a:solidFill>
-              <a:cs typeface="Courier New" pitchFamily="49" charset="0"/>
-            </a:endParaRPr>
           </a:p>
           <a:p>
             <a:pPr marL="285750" indent="-285750">
@@ -6984,11 +7505,7 @@
             </a:r>
             <a:r>
               <a:rPr lang="ru-RU" dirty="0" smtClean="0"/>
-              <a:t>С</a:t>
-            </a:r>
-            <a:r>
-              <a:rPr lang="ru-RU" dirty="0" smtClean="0"/>
-              <a:t>тандарт промежуточного ПО для рассылки сообщений, позволяющий приложениям, выполненным на платформе </a:t>
+              <a:t>Стандарт промежуточного ПО для рассылки сообщений, позволяющий приложениям, выполненным на платформе </a:t>
             </a:r>
             <a:r>
               <a:rPr lang="ru-RU" dirty="0" err="1" smtClean="0"/>
@@ -7218,11 +7735,7 @@
             </a:r>
             <a:r>
               <a:rPr lang="ru-RU" dirty="0" smtClean="0"/>
-              <a:t>Клиент которы</a:t>
-            </a:r>
-            <a:r>
-              <a:rPr lang="ru-RU" dirty="0" smtClean="0"/>
-              <a:t>й создает и отправляет сообщения.</a:t>
+              <a:t>Клиент который создает и отправляет сообщения.</a:t>
             </a:r>
           </a:p>
           <a:p>
